--- a/Refrences/Cyberbullying detection using ml.pptx
+++ b/Refrences/Cyberbullying detection using ml.pptx
@@ -14,28 +14,27 @@
     <p:sldId id="257" r:id="rId8"/>
     <p:sldId id="277" r:id="rId9"/>
     <p:sldId id="272" r:id="rId10"/>
-    <p:sldId id="284" r:id="rId11"/>
-    <p:sldId id="259" r:id="rId12"/>
-    <p:sldId id="260" r:id="rId13"/>
-    <p:sldId id="262" r:id="rId14"/>
-    <p:sldId id="261" r:id="rId15"/>
-    <p:sldId id="270" r:id="rId16"/>
-    <p:sldId id="269" r:id="rId17"/>
-    <p:sldId id="263" r:id="rId18"/>
-    <p:sldId id="264" r:id="rId19"/>
-    <p:sldId id="285" r:id="rId20"/>
-    <p:sldId id="265" r:id="rId21"/>
-    <p:sldId id="266" r:id="rId22"/>
-    <p:sldId id="267" r:id="rId23"/>
-    <p:sldId id="268" r:id="rId24"/>
-    <p:sldId id="286" r:id="rId25"/>
-    <p:sldId id="287" r:id="rId26"/>
-    <p:sldId id="271" r:id="rId27"/>
-    <p:sldId id="280" r:id="rId28"/>
-    <p:sldId id="288" r:id="rId29"/>
-    <p:sldId id="289" r:id="rId30"/>
-    <p:sldId id="273" r:id="rId31"/>
-    <p:sldId id="281" r:id="rId32"/>
+    <p:sldId id="259" r:id="rId11"/>
+    <p:sldId id="260" r:id="rId12"/>
+    <p:sldId id="262" r:id="rId13"/>
+    <p:sldId id="261" r:id="rId14"/>
+    <p:sldId id="270" r:id="rId15"/>
+    <p:sldId id="269" r:id="rId16"/>
+    <p:sldId id="263" r:id="rId17"/>
+    <p:sldId id="264" r:id="rId18"/>
+    <p:sldId id="285" r:id="rId19"/>
+    <p:sldId id="265" r:id="rId20"/>
+    <p:sldId id="266" r:id="rId21"/>
+    <p:sldId id="267" r:id="rId22"/>
+    <p:sldId id="268" r:id="rId23"/>
+    <p:sldId id="286" r:id="rId24"/>
+    <p:sldId id="287" r:id="rId25"/>
+    <p:sldId id="271" r:id="rId26"/>
+    <p:sldId id="280" r:id="rId27"/>
+    <p:sldId id="288" r:id="rId28"/>
+    <p:sldId id="289" r:id="rId29"/>
+    <p:sldId id="273" r:id="rId30"/>
+    <p:sldId id="281" r:id="rId31"/>
   </p:sldIdLst>
   <p:sldSz cx="12192000" cy="6858000"/>
   <p:notesSz cx="6858000" cy="9144000"/>
@@ -3841,7 +3840,7 @@
           <a:p>
             <a:fld id="{67238E99-A8AA-47A3-86D6-284A66A493E2}" type="datetimeFigureOut">
               <a:rPr lang="en-US" smtClean="0"/>
-              <a:t>12/6/2021</a:t>
+              <a:t>4/21/2022</a:t>
             </a:fld>
             <a:endParaRPr lang="en-US"/>
           </a:p>
@@ -4039,7 +4038,7 @@
           <a:p>
             <a:fld id="{67238E99-A8AA-47A3-86D6-284A66A493E2}" type="datetimeFigureOut">
               <a:rPr lang="en-US" smtClean="0"/>
-              <a:t>12/6/2021</a:t>
+              <a:t>4/21/2022</a:t>
             </a:fld>
             <a:endParaRPr lang="en-US"/>
           </a:p>
@@ -4247,7 +4246,7 @@
           <a:p>
             <a:fld id="{67238E99-A8AA-47A3-86D6-284A66A493E2}" type="datetimeFigureOut">
               <a:rPr lang="en-US" smtClean="0"/>
-              <a:t>12/6/2021</a:t>
+              <a:t>4/21/2022</a:t>
             </a:fld>
             <a:endParaRPr lang="en-US"/>
           </a:p>
@@ -4445,7 +4444,7 @@
           <a:p>
             <a:fld id="{67238E99-A8AA-47A3-86D6-284A66A493E2}" type="datetimeFigureOut">
               <a:rPr lang="en-US" smtClean="0"/>
-              <a:t>12/6/2021</a:t>
+              <a:t>4/21/2022</a:t>
             </a:fld>
             <a:endParaRPr lang="en-US"/>
           </a:p>
@@ -4720,7 +4719,7 @@
           <a:p>
             <a:fld id="{67238E99-A8AA-47A3-86D6-284A66A493E2}" type="datetimeFigureOut">
               <a:rPr lang="en-US" smtClean="0"/>
-              <a:t>12/6/2021</a:t>
+              <a:t>4/21/2022</a:t>
             </a:fld>
             <a:endParaRPr lang="en-US"/>
           </a:p>
@@ -4985,7 +4984,7 @@
           <a:p>
             <a:fld id="{67238E99-A8AA-47A3-86D6-284A66A493E2}" type="datetimeFigureOut">
               <a:rPr lang="en-US" smtClean="0"/>
-              <a:t>12/6/2021</a:t>
+              <a:t>4/21/2022</a:t>
             </a:fld>
             <a:endParaRPr lang="en-US"/>
           </a:p>
@@ -5397,7 +5396,7 @@
           <a:p>
             <a:fld id="{67238E99-A8AA-47A3-86D6-284A66A493E2}" type="datetimeFigureOut">
               <a:rPr lang="en-US" smtClean="0"/>
-              <a:t>12/6/2021</a:t>
+              <a:t>4/21/2022</a:t>
             </a:fld>
             <a:endParaRPr lang="en-US"/>
           </a:p>
@@ -5538,7 +5537,7 @@
           <a:p>
             <a:fld id="{67238E99-A8AA-47A3-86D6-284A66A493E2}" type="datetimeFigureOut">
               <a:rPr lang="en-US" smtClean="0"/>
-              <a:t>12/6/2021</a:t>
+              <a:t>4/21/2022</a:t>
             </a:fld>
             <a:endParaRPr lang="en-US"/>
           </a:p>
@@ -5651,7 +5650,7 @@
           <a:p>
             <a:fld id="{67238E99-A8AA-47A3-86D6-284A66A493E2}" type="datetimeFigureOut">
               <a:rPr lang="en-US" smtClean="0"/>
-              <a:t>12/6/2021</a:t>
+              <a:t>4/21/2022</a:t>
             </a:fld>
             <a:endParaRPr lang="en-US"/>
           </a:p>
@@ -5962,7 +5961,7 @@
           <a:p>
             <a:fld id="{67238E99-A8AA-47A3-86D6-284A66A493E2}" type="datetimeFigureOut">
               <a:rPr lang="en-US" smtClean="0"/>
-              <a:t>12/6/2021</a:t>
+              <a:t>4/21/2022</a:t>
             </a:fld>
             <a:endParaRPr lang="en-US"/>
           </a:p>
@@ -6250,7 +6249,7 @@
           <a:p>
             <a:fld id="{67238E99-A8AA-47A3-86D6-284A66A493E2}" type="datetimeFigureOut">
               <a:rPr lang="en-US" smtClean="0"/>
-              <a:t>12/6/2021</a:t>
+              <a:t>4/21/2022</a:t>
             </a:fld>
             <a:endParaRPr lang="en-US"/>
           </a:p>
@@ -6491,7 +6490,7 @@
           <a:p>
             <a:fld id="{67238E99-A8AA-47A3-86D6-284A66A493E2}" type="datetimeFigureOut">
               <a:rPr lang="en-US" smtClean="0"/>
-              <a:t>12/6/2021</a:t>
+              <a:t>4/21/2022</a:t>
             </a:fld>
             <a:endParaRPr lang="en-US"/>
           </a:p>
@@ -7142,89 +7141,6 @@
           <p:cNvPr id="2" name="Title 1">
             <a:extLst>
               <a:ext uri="{FF2B5EF4-FFF2-40B4-BE49-F238E27FC236}">
-                <a16:creationId xmlns:a16="http://schemas.microsoft.com/office/drawing/2014/main" id="{4CAE2DC7-8586-45E5-BDE4-468EDD79CBF0}"/>
-              </a:ext>
-            </a:extLst>
-          </p:cNvPr>
-          <p:cNvSpPr>
-            <a:spLocks noGrp="1"/>
-          </p:cNvSpPr>
-          <p:nvPr>
-            <p:ph type="title"/>
-          </p:nvPr>
-        </p:nvSpPr>
-        <p:spPr/>
-        <p:txBody>
-          <a:bodyPr/>
-          <a:lstStyle/>
-          <a:p>
-            <a:r>
-              <a:rPr lang="en-US" dirty="0"/>
-              <a:t>Notations</a:t>
-            </a:r>
-          </a:p>
-        </p:txBody>
-      </p:sp>
-      <p:sp>
-        <p:nvSpPr>
-          <p:cNvPr id="3" name="Content Placeholder 2">
-            <a:extLst>
-              <a:ext uri="{FF2B5EF4-FFF2-40B4-BE49-F238E27FC236}">
-                <a16:creationId xmlns:a16="http://schemas.microsoft.com/office/drawing/2014/main" id="{DC68BDC5-C2AB-4BCF-A420-FFC7CB0EE5F7}"/>
-              </a:ext>
-            </a:extLst>
-          </p:cNvPr>
-          <p:cNvSpPr>
-            <a:spLocks noGrp="1"/>
-          </p:cNvSpPr>
-          <p:nvPr>
-            <p:ph idx="1"/>
-          </p:nvPr>
-        </p:nvSpPr>
-        <p:spPr/>
-        <p:txBody>
-          <a:bodyPr/>
-          <a:lstStyle/>
-          <a:p>
-            <a:endParaRPr lang="en-US" dirty="0"/>
-          </a:p>
-        </p:txBody>
-      </p:sp>
-    </p:spTree>
-    <p:extLst>
-      <p:ext uri="{BB962C8B-B14F-4D97-AF65-F5344CB8AC3E}">
-        <p14:creationId xmlns:p14="http://schemas.microsoft.com/office/powerpoint/2010/main" val="2336231070"/>
-      </p:ext>
-    </p:extLst>
-  </p:cSld>
-  <p:clrMapOvr>
-    <a:masterClrMapping/>
-  </p:clrMapOvr>
-</p:sld>
-</file>
-
-<file path=ppt/slides/slide11.xml><?xml version="1.0" encoding="utf-8"?>
-<p:sld xmlns:a="http://schemas.openxmlformats.org/drawingml/2006/main" xmlns:r="http://schemas.openxmlformats.org/officeDocument/2006/relationships" xmlns:p="http://schemas.openxmlformats.org/presentationml/2006/main">
-  <p:cSld>
-    <p:spTree>
-      <p:nvGrpSpPr>
-        <p:cNvPr id="1" name=""/>
-        <p:cNvGrpSpPr/>
-        <p:nvPr/>
-      </p:nvGrpSpPr>
-      <p:grpSpPr>
-        <a:xfrm>
-          <a:off x="0" y="0"/>
-          <a:ext cx="0" cy="0"/>
-          <a:chOff x="0" y="0"/>
-          <a:chExt cx="0" cy="0"/>
-        </a:xfrm>
-      </p:grpSpPr>
-      <p:sp>
-        <p:nvSpPr>
-          <p:cNvPr id="2" name="Title 1">
-            <a:extLst>
-              <a:ext uri="{FF2B5EF4-FFF2-40B4-BE49-F238E27FC236}">
                 <a16:creationId xmlns:a16="http://schemas.microsoft.com/office/drawing/2014/main" id="{3D4F9E20-F2D4-42C2-82C2-2320BC3144DD}"/>
               </a:ext>
             </a:extLst>
@@ -7380,24 +7296,34 @@
                   <a:schemeClr val="tx1"/>
                 </a:solidFill>
               </a:rPr>
-              <a:t>X-&gt;Train-&gt;Classify</a:t>
-            </a:r>
-          </a:p>
-          <a:p>
-            <a:pPr algn="ctr"/>
-            <a:r>
-              <a:rPr lang="en-US" sz="3600" dirty="0" err="1">
+              <a:t>X-&gt;</a:t>
+            </a:r>
+            <a:r>
+              <a:rPr lang="en-US" sz="3600">
                 <a:solidFill>
                   <a:schemeClr val="tx1"/>
                 </a:solidFill>
               </a:rPr>
-              <a:t>svm</a:t>
-            </a:r>
-            <a:endParaRPr lang="en-US" sz="3600" dirty="0">
-              <a:solidFill>
-                <a:schemeClr val="tx1"/>
-              </a:solidFill>
-            </a:endParaRPr>
+              <a:t>Train model-&gt;</a:t>
+            </a:r>
+            <a:r>
+              <a:rPr lang="en-US" sz="3600" dirty="0">
+                <a:solidFill>
+                  <a:schemeClr val="tx1"/>
+                </a:solidFill>
+              </a:rPr>
+              <a:t>Classify</a:t>
+            </a:r>
+          </a:p>
+          <a:p>
+            <a:r>
+              <a:rPr lang="en-US" sz="3600" dirty="0">
+                <a:solidFill>
+                  <a:schemeClr val="tx1"/>
+                </a:solidFill>
+              </a:rPr>
+              <a:t>             (SVM)</a:t>
+            </a:r>
           </a:p>
         </p:txBody>
       </p:sp>
@@ -7503,7 +7429,7 @@
 </p:sld>
 </file>
 
-<file path=ppt/slides/slide12.xml><?xml version="1.0" encoding="utf-8"?>
+<file path=ppt/slides/slide11.xml><?xml version="1.0" encoding="utf-8"?>
 <p:sld xmlns:a="http://schemas.openxmlformats.org/drawingml/2006/main" xmlns:r="http://schemas.openxmlformats.org/officeDocument/2006/relationships" xmlns:p="http://schemas.openxmlformats.org/presentationml/2006/main">
   <p:cSld>
     <p:spTree>
@@ -7633,7 +7559,7 @@
 </p:sld>
 </file>
 
-<file path=ppt/slides/slide13.xml><?xml version="1.0" encoding="utf-8"?>
+<file path=ppt/slides/slide12.xml><?xml version="1.0" encoding="utf-8"?>
 <p:sld xmlns:a="http://schemas.openxmlformats.org/drawingml/2006/main" xmlns:r="http://schemas.openxmlformats.org/officeDocument/2006/relationships" xmlns:p="http://schemas.openxmlformats.org/presentationml/2006/main">
   <p:cSld>
     <p:spTree>
@@ -7862,7 +7788,7 @@
 </p:sld>
 </file>
 
-<file path=ppt/slides/slide14.xml><?xml version="1.0" encoding="utf-8"?>
+<file path=ppt/slides/slide13.xml><?xml version="1.0" encoding="utf-8"?>
 <p:sld xmlns:a="http://schemas.openxmlformats.org/drawingml/2006/main" xmlns:r="http://schemas.openxmlformats.org/officeDocument/2006/relationships" xmlns:p="http://schemas.openxmlformats.org/presentationml/2006/main">
   <p:cSld>
     <p:spTree>
@@ -8372,7 +8298,7 @@
 </p:sld>
 </file>
 
-<file path=ppt/slides/slide15.xml><?xml version="1.0" encoding="utf-8"?>
+<file path=ppt/slides/slide14.xml><?xml version="1.0" encoding="utf-8"?>
 <p:sld xmlns:a="http://schemas.openxmlformats.org/drawingml/2006/main" xmlns:r="http://schemas.openxmlformats.org/officeDocument/2006/relationships" xmlns:p="http://schemas.openxmlformats.org/presentationml/2006/main">
   <p:cSld>
     <p:spTree>
@@ -9446,7 +9372,7 @@
 </p:sld>
 </file>
 
-<file path=ppt/slides/slide16.xml><?xml version="1.0" encoding="utf-8"?>
+<file path=ppt/slides/slide15.xml><?xml version="1.0" encoding="utf-8"?>
 <p:sld xmlns:a="http://schemas.openxmlformats.org/drawingml/2006/main" xmlns:r="http://schemas.openxmlformats.org/officeDocument/2006/relationships" xmlns:p="http://schemas.openxmlformats.org/presentationml/2006/main">
   <p:cSld>
     <p:spTree>
@@ -10201,7 +10127,7 @@
 </p:sld>
 </file>
 
-<file path=ppt/slides/slide17.xml><?xml version="1.0" encoding="utf-8"?>
+<file path=ppt/slides/slide16.xml><?xml version="1.0" encoding="utf-8"?>
 <p:sld xmlns:a="http://schemas.openxmlformats.org/drawingml/2006/main" xmlns:r="http://schemas.openxmlformats.org/officeDocument/2006/relationships" xmlns:p="http://schemas.openxmlformats.org/presentationml/2006/main">
   <p:cSld>
     <p:spTree>
@@ -10481,7 +10407,7 @@
 </p:sld>
 </file>
 
-<file path=ppt/slides/slide18.xml><?xml version="1.0" encoding="utf-8"?>
+<file path=ppt/slides/slide17.xml><?xml version="1.0" encoding="utf-8"?>
 <p:sld xmlns:a="http://schemas.openxmlformats.org/drawingml/2006/main" xmlns:r="http://schemas.openxmlformats.org/officeDocument/2006/relationships" xmlns:p="http://schemas.openxmlformats.org/presentationml/2006/main">
   <p:cSld>
     <p:spTree>
@@ -10780,7 +10706,7 @@
 </p:sld>
 </file>
 
-<file path=ppt/slides/slide19.xml><?xml version="1.0" encoding="utf-8"?>
+<file path=ppt/slides/slide18.xml><?xml version="1.0" encoding="utf-8"?>
 <p:sld xmlns:a="http://schemas.openxmlformats.org/drawingml/2006/main" xmlns:r="http://schemas.openxmlformats.org/officeDocument/2006/relationships" xmlns:p="http://schemas.openxmlformats.org/presentationml/2006/main">
   <p:cSld>
     <p:spTree>
@@ -11312,90 +11238,7 @@
 </p:sld>
 </file>
 
-<file path=ppt/slides/slide2.xml><?xml version="1.0" encoding="utf-8"?>
-<p:sld xmlns:a="http://schemas.openxmlformats.org/drawingml/2006/main" xmlns:r="http://schemas.openxmlformats.org/officeDocument/2006/relationships" xmlns:p="http://schemas.openxmlformats.org/presentationml/2006/main">
-  <p:cSld>
-    <p:spTree>
-      <p:nvGrpSpPr>
-        <p:cNvPr id="1" name=""/>
-        <p:cNvGrpSpPr/>
-        <p:nvPr/>
-      </p:nvGrpSpPr>
-      <p:grpSpPr>
-        <a:xfrm>
-          <a:off x="0" y="0"/>
-          <a:ext cx="0" cy="0"/>
-          <a:chOff x="0" y="0"/>
-          <a:chExt cx="0" cy="0"/>
-        </a:xfrm>
-      </p:grpSpPr>
-      <p:sp>
-        <p:nvSpPr>
-          <p:cNvPr id="2" name="Title 1">
-            <a:extLst>
-              <a:ext uri="{FF2B5EF4-FFF2-40B4-BE49-F238E27FC236}">
-                <a16:creationId xmlns:a16="http://schemas.microsoft.com/office/drawing/2014/main" id="{A05D616D-BB5C-4B33-8C10-25D2123DA8CA}"/>
-              </a:ext>
-            </a:extLst>
-          </p:cNvPr>
-          <p:cNvSpPr>
-            <a:spLocks noGrp="1"/>
-          </p:cNvSpPr>
-          <p:nvPr>
-            <p:ph type="ctrTitle"/>
-          </p:nvPr>
-        </p:nvSpPr>
-        <p:spPr/>
-        <p:txBody>
-          <a:bodyPr>
-            <a:normAutofit fontScale="90000"/>
-          </a:bodyPr>
-          <a:lstStyle/>
-          <a:p>
-            <a:pPr algn="ctr"/>
-            <a:r>
-              <a:rPr lang="en-US" sz="6000" dirty="0">
-                <a:effectLst/>
-                <a:latin typeface="Calibri" panose="020F0502020204030204" pitchFamily="34" charset="0"/>
-                <a:ea typeface="Calibri" panose="020F0502020204030204" pitchFamily="34" charset="0"/>
-                <a:cs typeface="Times New Roman" panose="02020603050405020304" pitchFamily="18" charset="0"/>
-              </a:rPr>
-              <a:t>Cyberbullying Detection on social media </a:t>
-            </a:r>
-            <a:br>
-              <a:rPr lang="en-US" sz="6000" dirty="0">
-                <a:effectLst/>
-                <a:latin typeface="Calibri" panose="020F0502020204030204" pitchFamily="34" charset="0"/>
-                <a:ea typeface="Calibri" panose="020F0502020204030204" pitchFamily="34" charset="0"/>
-                <a:cs typeface="Times New Roman" panose="02020603050405020304" pitchFamily="18" charset="0"/>
-              </a:rPr>
-            </a:br>
-            <a:r>
-              <a:rPr lang="en-US" sz="6000" dirty="0">
-                <a:effectLst/>
-                <a:latin typeface="Calibri" panose="020F0502020204030204" pitchFamily="34" charset="0"/>
-                <a:ea typeface="Calibri" panose="020F0502020204030204" pitchFamily="34" charset="0"/>
-                <a:cs typeface="Times New Roman" panose="02020603050405020304" pitchFamily="18" charset="0"/>
-              </a:rPr>
-              <a:t>using Machine Learning</a:t>
-            </a:r>
-          </a:p>
-        </p:txBody>
-      </p:sp>
-    </p:spTree>
-    <p:extLst>
-      <p:ext uri="{BB962C8B-B14F-4D97-AF65-F5344CB8AC3E}">
-        <p14:creationId xmlns:p14="http://schemas.microsoft.com/office/powerpoint/2010/main" val="789266445"/>
-      </p:ext>
-    </p:extLst>
-  </p:cSld>
-  <p:clrMapOvr>
-    <a:masterClrMapping/>
-  </p:clrMapOvr>
-</p:sld>
-</file>
-
-<file path=ppt/slides/slide20.xml><?xml version="1.0" encoding="utf-8"?>
+<file path=ppt/slides/slide19.xml><?xml version="1.0" encoding="utf-8"?>
 <p:sld xmlns:a="http://schemas.openxmlformats.org/drawingml/2006/main" xmlns:r="http://schemas.openxmlformats.org/officeDocument/2006/relationships" xmlns:p="http://schemas.openxmlformats.org/presentationml/2006/main">
   <p:cSld>
     <p:spTree>
@@ -12545,7 +12388,90 @@
 </p:sld>
 </file>
 
-<file path=ppt/slides/slide21.xml><?xml version="1.0" encoding="utf-8"?>
+<file path=ppt/slides/slide2.xml><?xml version="1.0" encoding="utf-8"?>
+<p:sld xmlns:a="http://schemas.openxmlformats.org/drawingml/2006/main" xmlns:r="http://schemas.openxmlformats.org/officeDocument/2006/relationships" xmlns:p="http://schemas.openxmlformats.org/presentationml/2006/main">
+  <p:cSld>
+    <p:spTree>
+      <p:nvGrpSpPr>
+        <p:cNvPr id="1" name=""/>
+        <p:cNvGrpSpPr/>
+        <p:nvPr/>
+      </p:nvGrpSpPr>
+      <p:grpSpPr>
+        <a:xfrm>
+          <a:off x="0" y="0"/>
+          <a:ext cx="0" cy="0"/>
+          <a:chOff x="0" y="0"/>
+          <a:chExt cx="0" cy="0"/>
+        </a:xfrm>
+      </p:grpSpPr>
+      <p:sp>
+        <p:nvSpPr>
+          <p:cNvPr id="2" name="Title 1">
+            <a:extLst>
+              <a:ext uri="{FF2B5EF4-FFF2-40B4-BE49-F238E27FC236}">
+                <a16:creationId xmlns:a16="http://schemas.microsoft.com/office/drawing/2014/main" id="{A05D616D-BB5C-4B33-8C10-25D2123DA8CA}"/>
+              </a:ext>
+            </a:extLst>
+          </p:cNvPr>
+          <p:cNvSpPr>
+            <a:spLocks noGrp="1"/>
+          </p:cNvSpPr>
+          <p:nvPr>
+            <p:ph type="ctrTitle"/>
+          </p:nvPr>
+        </p:nvSpPr>
+        <p:spPr/>
+        <p:txBody>
+          <a:bodyPr>
+            <a:normAutofit fontScale="90000"/>
+          </a:bodyPr>
+          <a:lstStyle/>
+          <a:p>
+            <a:pPr algn="ctr"/>
+            <a:r>
+              <a:rPr lang="en-US" sz="6000" dirty="0">
+                <a:effectLst/>
+                <a:latin typeface="Calibri" panose="020F0502020204030204" pitchFamily="34" charset="0"/>
+                <a:ea typeface="Calibri" panose="020F0502020204030204" pitchFamily="34" charset="0"/>
+                <a:cs typeface="Times New Roman" panose="02020603050405020304" pitchFamily="18" charset="0"/>
+              </a:rPr>
+              <a:t>Cyberbullying Detection on social media </a:t>
+            </a:r>
+            <a:br>
+              <a:rPr lang="en-US" sz="6000" dirty="0">
+                <a:effectLst/>
+                <a:latin typeface="Calibri" panose="020F0502020204030204" pitchFamily="34" charset="0"/>
+                <a:ea typeface="Calibri" panose="020F0502020204030204" pitchFamily="34" charset="0"/>
+                <a:cs typeface="Times New Roman" panose="02020603050405020304" pitchFamily="18" charset="0"/>
+              </a:rPr>
+            </a:br>
+            <a:r>
+              <a:rPr lang="en-US" sz="6000" dirty="0">
+                <a:effectLst/>
+                <a:latin typeface="Calibri" panose="020F0502020204030204" pitchFamily="34" charset="0"/>
+                <a:ea typeface="Calibri" panose="020F0502020204030204" pitchFamily="34" charset="0"/>
+                <a:cs typeface="Times New Roman" panose="02020603050405020304" pitchFamily="18" charset="0"/>
+              </a:rPr>
+              <a:t>using Machine Learning</a:t>
+            </a:r>
+          </a:p>
+        </p:txBody>
+      </p:sp>
+    </p:spTree>
+    <p:extLst>
+      <p:ext uri="{BB962C8B-B14F-4D97-AF65-F5344CB8AC3E}">
+        <p14:creationId xmlns:p14="http://schemas.microsoft.com/office/powerpoint/2010/main" val="789266445"/>
+      </p:ext>
+    </p:extLst>
+  </p:cSld>
+  <p:clrMapOvr>
+    <a:masterClrMapping/>
+  </p:clrMapOvr>
+</p:sld>
+</file>
+
+<file path=ppt/slides/slide20.xml><?xml version="1.0" encoding="utf-8"?>
 <p:sld xmlns:a="http://schemas.openxmlformats.org/drawingml/2006/main" xmlns:r="http://schemas.openxmlformats.org/officeDocument/2006/relationships" xmlns:p="http://schemas.openxmlformats.org/presentationml/2006/main">
   <p:cSld>
     <p:spTree>
@@ -12740,7 +12666,7 @@
 </p:sld>
 </file>
 
-<file path=ppt/slides/slide22.xml><?xml version="1.0" encoding="utf-8"?>
+<file path=ppt/slides/slide21.xml><?xml version="1.0" encoding="utf-8"?>
 <p:sld xmlns:a="http://schemas.openxmlformats.org/drawingml/2006/main" xmlns:r="http://schemas.openxmlformats.org/officeDocument/2006/relationships" xmlns:p="http://schemas.openxmlformats.org/presentationml/2006/main">
   <p:cSld>
     <p:spTree>
@@ -13629,7 +13555,7 @@
 </p:sld>
 </file>
 
-<file path=ppt/slides/slide23.xml><?xml version="1.0" encoding="utf-8"?>
+<file path=ppt/slides/slide22.xml><?xml version="1.0" encoding="utf-8"?>
 <p:sld xmlns:a="http://schemas.openxmlformats.org/drawingml/2006/main" xmlns:r="http://schemas.openxmlformats.org/officeDocument/2006/relationships" xmlns:p="http://schemas.openxmlformats.org/presentationml/2006/main">
   <p:cSld>
     <p:spTree>
@@ -13810,7 +13736,7 @@
 </p:sld>
 </file>
 
-<file path=ppt/slides/slide24.xml><?xml version="1.0" encoding="utf-8"?>
+<file path=ppt/slides/slide23.xml><?xml version="1.0" encoding="utf-8"?>
 <p:sld xmlns:a="http://schemas.openxmlformats.org/drawingml/2006/main" xmlns:r="http://schemas.openxmlformats.org/officeDocument/2006/relationships" xmlns:p="http://schemas.openxmlformats.org/presentationml/2006/main">
   <p:cSld>
     <p:spTree>
@@ -14410,7 +14336,7 @@
 </p:sld>
 </file>
 
-<file path=ppt/slides/slide25.xml><?xml version="1.0" encoding="utf-8"?>
+<file path=ppt/slides/slide24.xml><?xml version="1.0" encoding="utf-8"?>
 <p:sld xmlns:a="http://schemas.openxmlformats.org/drawingml/2006/main" xmlns:r="http://schemas.openxmlformats.org/officeDocument/2006/relationships" xmlns:p="http://schemas.openxmlformats.org/presentationml/2006/main">
   <p:cSld>
     <p:spTree>
@@ -14779,7 +14705,7 @@
 </p:sld>
 </file>
 
-<file path=ppt/slides/slide26.xml><?xml version="1.0" encoding="utf-8"?>
+<file path=ppt/slides/slide25.xml><?xml version="1.0" encoding="utf-8"?>
 <p:sld xmlns:a="http://schemas.openxmlformats.org/drawingml/2006/main" xmlns:r="http://schemas.openxmlformats.org/officeDocument/2006/relationships" xmlns:p="http://schemas.openxmlformats.org/presentationml/2006/main">
   <p:cSld>
     <p:spTree>
@@ -14824,8 +14750,8 @@
           </a:p>
         </p:txBody>
       </p:sp>
-      <mc:AlternateContent xmlns:mc="http://schemas.openxmlformats.org/markup-compatibility/2006">
-        <mc:Choice xmlns:a14="http://schemas.microsoft.com/office/drawing/2010/main" Requires="a14">
+      <mc:AlternateContent xmlns:mc="http://schemas.openxmlformats.org/markup-compatibility/2006" xmlns:a14="http://schemas.microsoft.com/office/drawing/2010/main">
+        <mc:Choice Requires="a14">
           <p:sp>
             <p:nvSpPr>
               <p:cNvPr id="4" name="TextBox 3">
@@ -14918,7 +14844,7 @@
             </p:txBody>
           </p:sp>
         </mc:Choice>
-        <mc:Fallback>
+        <mc:Fallback xmlns="">
           <p:sp>
             <p:nvSpPr>
               <p:cNvPr id="4" name="TextBox 3">
@@ -17109,7 +17035,7 @@
 </p:sld>
 </file>
 
-<file path=ppt/slides/slide27.xml><?xml version="1.0" encoding="utf-8"?>
+<file path=ppt/slides/slide26.xml><?xml version="1.0" encoding="utf-8"?>
 <p:sld xmlns:a="http://schemas.openxmlformats.org/drawingml/2006/main" xmlns:r="http://schemas.openxmlformats.org/officeDocument/2006/relationships" xmlns:p="http://schemas.openxmlformats.org/presentationml/2006/main">
   <p:cSld>
     <p:spTree>
@@ -17237,7 +17163,7 @@
         <p:spPr>
           <a:xfrm>
             <a:off x="947956" y="1770077"/>
-            <a:ext cx="6090407" cy="3416320"/>
+            <a:ext cx="6090407" cy="5078313"/>
           </a:xfrm>
           <a:prstGeom prst="rect">
             <a:avLst/>
@@ -17270,7 +17196,13 @@
           <a:p>
             <a:r>
               <a:rPr lang="en-US" dirty="0"/>
-              <a:t>Weights(W)=[0.41,-0.16]</a:t>
+              <a:t>Weights(W)=[0.41,</a:t>
+            </a:r>
+          </a:p>
+          <a:p>
+            <a:r>
+              <a:rPr lang="en-US" dirty="0"/>
+              <a:t>	     -0.16]</a:t>
             </a:r>
           </a:p>
           <a:p>
@@ -17296,6 +17228,24 @@
           <a:p>
             <a:r>
               <a:rPr lang="en-US" dirty="0"/>
+              <a:t>			[8       [ -0.16 0.41]</a:t>
+            </a:r>
+          </a:p>
+          <a:p>
+            <a:r>
+              <a:rPr lang="en-US" dirty="0"/>
+              <a:t>			11]</a:t>
+            </a:r>
+          </a:p>
+          <a:p>
+            <a:r>
+              <a:rPr lang="en-US" dirty="0"/>
+              <a:t>			[]</a:t>
+            </a:r>
+          </a:p>
+          <a:p>
+            <a:r>
+              <a:rPr lang="en-US" dirty="0"/>
               <a:t>	                 h=[8*0.41+(-0.16)*11]+0.34</a:t>
             </a:r>
           </a:p>
@@ -17322,6 +17272,18 @@
               <a:rPr lang="en-US" dirty="0"/>
               <a:t>This says that the cyberbullying is detected if this h is less than 0 we get the cyberbullying activities not detected</a:t>
             </a:r>
+          </a:p>
+          <a:p>
+            <a:endParaRPr lang="en-US" dirty="0"/>
+          </a:p>
+          <a:p>
+            <a:r>
+              <a:rPr lang="en-US" dirty="0">
+                <a:hlinkClick r:id="rId3" action="ppaction://hlinkpres?slideindex=1&amp;slidetitle="/>
+              </a:rPr>
+              <a:t>For more details</a:t>
+            </a:r>
+            <a:endParaRPr lang="en-US" dirty="0"/>
           </a:p>
         </p:txBody>
       </p:sp>
@@ -17338,7 +17300,7 @@
 </p:sld>
 </file>
 
-<file path=ppt/slides/slide28.xml><?xml version="1.0" encoding="utf-8"?>
+<file path=ppt/slides/slide27.xml><?xml version="1.0" encoding="utf-8"?>
 <p:sld xmlns:a="http://schemas.openxmlformats.org/drawingml/2006/main" xmlns:r="http://schemas.openxmlformats.org/officeDocument/2006/relationships" xmlns:p="http://schemas.openxmlformats.org/presentationml/2006/main">
   <p:cSld>
     <p:spTree>
@@ -20324,7 +20286,7 @@
 </p:sld>
 </file>
 
-<file path=ppt/slides/slide29.xml><?xml version="1.0" encoding="utf-8"?>
+<file path=ppt/slides/slide28.xml><?xml version="1.0" encoding="utf-8"?>
 <p:sld xmlns:a="http://schemas.openxmlformats.org/drawingml/2006/main" xmlns:r="http://schemas.openxmlformats.org/officeDocument/2006/relationships" xmlns:p="http://schemas.openxmlformats.org/presentationml/2006/main">
   <p:cSld>
     <p:spTree>
@@ -20591,6 +20553,131 @@
 </p:sld>
 </file>
 
+<file path=ppt/slides/slide29.xml><?xml version="1.0" encoding="utf-8"?>
+<p:sld xmlns:a="http://schemas.openxmlformats.org/drawingml/2006/main" xmlns:r="http://schemas.openxmlformats.org/officeDocument/2006/relationships" xmlns:p="http://schemas.openxmlformats.org/presentationml/2006/main">
+  <p:cSld>
+    <p:spTree>
+      <p:nvGrpSpPr>
+        <p:cNvPr id="1" name=""/>
+        <p:cNvGrpSpPr/>
+        <p:nvPr/>
+      </p:nvGrpSpPr>
+      <p:grpSpPr>
+        <a:xfrm>
+          <a:off x="0" y="0"/>
+          <a:ext cx="0" cy="0"/>
+          <a:chOff x="0" y="0"/>
+          <a:chExt cx="0" cy="0"/>
+        </a:xfrm>
+      </p:grpSpPr>
+      <p:sp>
+        <p:nvSpPr>
+          <p:cNvPr id="3" name="Content Placeholder 2">
+            <a:extLst>
+              <a:ext uri="{FF2B5EF4-FFF2-40B4-BE49-F238E27FC236}">
+                <a16:creationId xmlns:a16="http://schemas.microsoft.com/office/drawing/2014/main" id="{DB1EE634-BE1B-4AD1-A193-D54273DC55E6}"/>
+              </a:ext>
+            </a:extLst>
+          </p:cNvPr>
+          <p:cNvSpPr>
+            <a:spLocks noGrp="1"/>
+          </p:cNvSpPr>
+          <p:nvPr>
+            <p:ph idx="1"/>
+          </p:nvPr>
+        </p:nvSpPr>
+        <p:spPr/>
+        <p:txBody>
+          <a:bodyPr/>
+          <a:lstStyle/>
+          <a:p>
+            <a:r>
+              <a:rPr lang="en-US" b="0" i="0" dirty="0">
+                <a:solidFill>
+                  <a:srgbClr val="202124"/>
+                </a:solidFill>
+                <a:effectLst/>
+                <a:latin typeface="Roboto" panose="020B0604020202020204" pitchFamily="2" charset="0"/>
+              </a:rPr>
+              <a:t>Manual, script-driven, and interactive process </a:t>
+            </a:r>
+          </a:p>
+          <a:p>
+            <a:r>
+              <a:rPr lang="en-US" b="0" i="0" dirty="0">
+                <a:solidFill>
+                  <a:srgbClr val="202124"/>
+                </a:solidFill>
+                <a:effectLst/>
+                <a:latin typeface="Roboto" panose="02000000000000000000" pitchFamily="2" charset="0"/>
+              </a:rPr>
+              <a:t>Deployment is in form of prediction service</a:t>
+            </a:r>
+            <a:r>
+              <a:rPr lang="en-US" dirty="0">
+                <a:solidFill>
+                  <a:srgbClr val="202124"/>
+                </a:solidFill>
+                <a:latin typeface="Roboto" panose="020B0604020202020204" pitchFamily="2" charset="0"/>
+              </a:rPr>
+              <a:t> which contains both API and webapp</a:t>
+            </a:r>
+          </a:p>
+          <a:p>
+            <a:r>
+              <a:rPr lang="en-US" dirty="0"/>
+              <a:t>Code had been modularized in form of pipelines for experimentation purpose</a:t>
+            </a:r>
+          </a:p>
+          <a:p>
+            <a:pPr marL="0" indent="0">
+              <a:buNone/>
+            </a:pPr>
+            <a:endParaRPr lang="en-US" dirty="0"/>
+          </a:p>
+        </p:txBody>
+      </p:sp>
+      <p:sp>
+        <p:nvSpPr>
+          <p:cNvPr id="5" name="Title 4">
+            <a:extLst>
+              <a:ext uri="{FF2B5EF4-FFF2-40B4-BE49-F238E27FC236}">
+                <a16:creationId xmlns:a16="http://schemas.microsoft.com/office/drawing/2014/main" id="{96E5D4C3-0CCD-4B37-BAFF-077280CD9111}"/>
+              </a:ext>
+            </a:extLst>
+          </p:cNvPr>
+          <p:cNvSpPr>
+            <a:spLocks noGrp="1"/>
+          </p:cNvSpPr>
+          <p:nvPr>
+            <p:ph type="title"/>
+          </p:nvPr>
+        </p:nvSpPr>
+        <p:spPr/>
+        <p:txBody>
+          <a:bodyPr/>
+          <a:lstStyle/>
+          <a:p>
+            <a:r>
+              <a:rPr lang="en-US" dirty="0"/>
+              <a:t>Features</a:t>
+            </a:r>
+          </a:p>
+        </p:txBody>
+      </p:sp>
+    </p:spTree>
+    <p:extLst>
+      <p:ext uri="{BB962C8B-B14F-4D97-AF65-F5344CB8AC3E}">
+        <p14:creationId xmlns:p14="http://schemas.microsoft.com/office/powerpoint/2010/main" val="165840175"/>
+      </p:ext>
+    </p:extLst>
+  </p:cSld>
+  <p:clrMapOvr>
+    <a:masterClrMapping/>
+  </p:clrMapOvr>
+</p:sld>
+</file>
+
 <file path=ppt/slides/slide3.xml><?xml version="1.0" encoding="utf-8"?>
 <p:sld xmlns:a="http://schemas.openxmlformats.org/drawingml/2006/main" xmlns:r="http://schemas.openxmlformats.org/officeDocument/2006/relationships" xmlns:p="http://schemas.openxmlformats.org/presentationml/2006/main">
   <p:cSld>
@@ -20735,131 +20822,6 @@
 </file>
 
 <file path=ppt/slides/slide30.xml><?xml version="1.0" encoding="utf-8"?>
-<p:sld xmlns:a="http://schemas.openxmlformats.org/drawingml/2006/main" xmlns:r="http://schemas.openxmlformats.org/officeDocument/2006/relationships" xmlns:p="http://schemas.openxmlformats.org/presentationml/2006/main">
-  <p:cSld>
-    <p:spTree>
-      <p:nvGrpSpPr>
-        <p:cNvPr id="1" name=""/>
-        <p:cNvGrpSpPr/>
-        <p:nvPr/>
-      </p:nvGrpSpPr>
-      <p:grpSpPr>
-        <a:xfrm>
-          <a:off x="0" y="0"/>
-          <a:ext cx="0" cy="0"/>
-          <a:chOff x="0" y="0"/>
-          <a:chExt cx="0" cy="0"/>
-        </a:xfrm>
-      </p:grpSpPr>
-      <p:sp>
-        <p:nvSpPr>
-          <p:cNvPr id="3" name="Content Placeholder 2">
-            <a:extLst>
-              <a:ext uri="{FF2B5EF4-FFF2-40B4-BE49-F238E27FC236}">
-                <a16:creationId xmlns:a16="http://schemas.microsoft.com/office/drawing/2014/main" id="{DB1EE634-BE1B-4AD1-A193-D54273DC55E6}"/>
-              </a:ext>
-            </a:extLst>
-          </p:cNvPr>
-          <p:cNvSpPr>
-            <a:spLocks noGrp="1"/>
-          </p:cNvSpPr>
-          <p:nvPr>
-            <p:ph idx="1"/>
-          </p:nvPr>
-        </p:nvSpPr>
-        <p:spPr/>
-        <p:txBody>
-          <a:bodyPr/>
-          <a:lstStyle/>
-          <a:p>
-            <a:r>
-              <a:rPr lang="en-US" b="0" i="0" dirty="0">
-                <a:solidFill>
-                  <a:srgbClr val="202124"/>
-                </a:solidFill>
-                <a:effectLst/>
-                <a:latin typeface="Roboto" panose="020B0604020202020204" pitchFamily="2" charset="0"/>
-              </a:rPr>
-              <a:t>Manual, script-driven, and interactive process </a:t>
-            </a:r>
-          </a:p>
-          <a:p>
-            <a:r>
-              <a:rPr lang="en-US" b="0" i="0" dirty="0">
-                <a:solidFill>
-                  <a:srgbClr val="202124"/>
-                </a:solidFill>
-                <a:effectLst/>
-                <a:latin typeface="Roboto" panose="02000000000000000000" pitchFamily="2" charset="0"/>
-              </a:rPr>
-              <a:t>Deployment is in form of prediction service</a:t>
-            </a:r>
-            <a:r>
-              <a:rPr lang="en-US" dirty="0">
-                <a:solidFill>
-                  <a:srgbClr val="202124"/>
-                </a:solidFill>
-                <a:latin typeface="Roboto" panose="020B0604020202020204" pitchFamily="2" charset="0"/>
-              </a:rPr>
-              <a:t> which contains both API and webapp</a:t>
-            </a:r>
-          </a:p>
-          <a:p>
-            <a:r>
-              <a:rPr lang="en-US" dirty="0"/>
-              <a:t>Code had been modularized in form of pipelines for experimentation purpose</a:t>
-            </a:r>
-          </a:p>
-          <a:p>
-            <a:pPr marL="0" indent="0">
-              <a:buNone/>
-            </a:pPr>
-            <a:endParaRPr lang="en-US" dirty="0"/>
-          </a:p>
-        </p:txBody>
-      </p:sp>
-      <p:sp>
-        <p:nvSpPr>
-          <p:cNvPr id="5" name="Title 4">
-            <a:extLst>
-              <a:ext uri="{FF2B5EF4-FFF2-40B4-BE49-F238E27FC236}">
-                <a16:creationId xmlns:a16="http://schemas.microsoft.com/office/drawing/2014/main" id="{96E5D4C3-0CCD-4B37-BAFF-077280CD9111}"/>
-              </a:ext>
-            </a:extLst>
-          </p:cNvPr>
-          <p:cNvSpPr>
-            <a:spLocks noGrp="1"/>
-          </p:cNvSpPr>
-          <p:nvPr>
-            <p:ph type="title"/>
-          </p:nvPr>
-        </p:nvSpPr>
-        <p:spPr/>
-        <p:txBody>
-          <a:bodyPr/>
-          <a:lstStyle/>
-          <a:p>
-            <a:r>
-              <a:rPr lang="en-US" dirty="0"/>
-              <a:t>Features</a:t>
-            </a:r>
-          </a:p>
-        </p:txBody>
-      </p:sp>
-    </p:spTree>
-    <p:extLst>
-      <p:ext uri="{BB962C8B-B14F-4D97-AF65-F5344CB8AC3E}">
-        <p14:creationId xmlns:p14="http://schemas.microsoft.com/office/powerpoint/2010/main" val="165840175"/>
-      </p:ext>
-    </p:extLst>
-  </p:cSld>
-  <p:clrMapOvr>
-    <a:masterClrMapping/>
-  </p:clrMapOvr>
-</p:sld>
-</file>
-
-<file path=ppt/slides/slide31.xml><?xml version="1.0" encoding="utf-8"?>
 <p:sld xmlns:a="http://schemas.openxmlformats.org/drawingml/2006/main" xmlns:r="http://schemas.openxmlformats.org/officeDocument/2006/relationships" xmlns:p="http://schemas.openxmlformats.org/presentationml/2006/main">
   <p:cSld>
     <p:spTree>
@@ -21228,7 +21190,7 @@
           <a:p>
             <a:r>
               <a:rPr lang="en-US" dirty="0"/>
-              <a:t>Existing system uses supervised machine learning technique to solve this problem general algorithms like Logistic regression, Navies bayes, Random forest, decision tree and  SVM.</a:t>
+              <a:t>Existing system uses supervised machine learning technique to solve this problem general algorithms like Logistic regression, Navies bayes, Random forest, decision tree.</a:t>
             </a:r>
           </a:p>
           <a:p>
